--- a/Modul_1/lab6/DataFlow.pptx
+++ b/Modul_1/lab6/DataFlow.pptx
@@ -6,6 +6,7 @@
   </p:sldMasterIdLst>
   <p:sldIdLst>
     <p:sldId id="257" r:id="rId2"/>
+    <p:sldId id="260" r:id="rId3"/>
   </p:sldIdLst>
   <p:sldSz cx="12192000" cy="6858000"/>
   <p:notesSz cx="6858000" cy="9144000"/>
@@ -104,6 +105,11 @@
       </a:defRPr>
     </a:lvl9pPr>
   </p:defaultTextStyle>
+  <p:extLst>
+    <p:ext uri="{EFAFB233-063F-42B5-8137-9DF3F51BA10A}">
+      <p15:sldGuideLst xmlns:p15="http://schemas.microsoft.com/office/powerpoint/2012/main"/>
+    </p:ext>
+  </p:extLst>
 </p:presentation>
 </file>
 
@@ -2972,7 +2978,7 @@
         </p:nvSpPr>
         <p:spPr>
           <a:xfrm>
-            <a:off x="398206" y="191730"/>
+            <a:off x="61895" y="184356"/>
             <a:ext cx="2492478" cy="1873044"/>
           </a:xfrm>
           <a:prstGeom prst="roundRect">
@@ -3002,7 +3008,41 @@
             <a:pPr algn="ctr"/>
             <a:r>
               <a:rPr lang="ru-RU" dirty="0" smtClean="0"/>
-              <a:t>Файлы из директории </a:t>
+              <a:t>Файлы из </a:t>
+            </a:r>
+            <a:r>
+              <a:rPr lang="ru-RU" dirty="0" smtClean="0"/>
+              <a:t>директории</a:t>
+            </a:r>
+          </a:p>
+          <a:p>
+            <a:pPr algn="ctr"/>
+            <a:r>
+              <a:rPr lang="ru-RU" dirty="0" smtClean="0"/>
+              <a:t>(</a:t>
+            </a:r>
+            <a:r>
+              <a:rPr lang="en-US" dirty="0" smtClean="0"/>
+              <a:t>iso-639-3.tab;</a:t>
+            </a:r>
+          </a:p>
+          <a:p>
+            <a:pPr algn="ctr"/>
+            <a:r>
+              <a:rPr lang="en-US" dirty="0"/>
+              <a:t>i</a:t>
+            </a:r>
+            <a:r>
+              <a:rPr lang="en-US" dirty="0" smtClean="0"/>
+              <a:t>so-693-3-Macro.tab;</a:t>
+            </a:r>
+            <a:r>
+              <a:rPr lang="ru-RU" dirty="0" smtClean="0"/>
+              <a:t>)</a:t>
+            </a:r>
+            <a:r>
+              <a:rPr lang="ru-RU" dirty="0" smtClean="0"/>
+              <a:t> </a:t>
             </a:r>
             <a:endParaRPr lang="ru-RU" dirty="0"/>
           </a:p>
@@ -3016,8 +3056,8 @@
         </p:nvSpPr>
         <p:spPr>
           <a:xfrm>
-            <a:off x="8790039" y="671052"/>
-            <a:ext cx="2757948" cy="914400"/>
+            <a:off x="10097103" y="663678"/>
+            <a:ext cx="1986742" cy="914400"/>
           </a:xfrm>
           <a:prstGeom prst="roundRect">
             <a:avLst/>
@@ -3064,8 +3104,8 @@
         </p:nvSpPr>
         <p:spPr>
           <a:xfrm>
-            <a:off x="2890685" y="199104"/>
-            <a:ext cx="3274142" cy="1865670"/>
+            <a:off x="2554373" y="359585"/>
+            <a:ext cx="2339897" cy="1537333"/>
           </a:xfrm>
           <a:prstGeom prst="rightArrow">
             <a:avLst/>
@@ -3124,11 +3164,14 @@
         </p:nvSpPr>
         <p:spPr>
           <a:xfrm>
-            <a:off x="6164827" y="199103"/>
-            <a:ext cx="2625212" cy="1865671"/>
+            <a:off x="6567948" y="184356"/>
+            <a:ext cx="3529155" cy="1873044"/>
           </a:xfrm>
           <a:prstGeom prst="rightArrow">
-            <a:avLst/>
+            <a:avLst>
+              <a:gd name="adj1" fmla="val 53106"/>
+              <a:gd name="adj2" fmla="val 50000"/>
+            </a:avLst>
           </a:prstGeom>
         </p:spPr>
         <p:style>
@@ -3158,7 +3201,33 @@
             </a:r>
             <a:r>
               <a:rPr lang="en-US" dirty="0" smtClean="0"/>
-              <a:t>Cleansing tables</a:t>
+              <a:t>Cleansing </a:t>
+            </a:r>
+            <a:r>
+              <a:rPr lang="en-US" dirty="0" smtClean="0"/>
+              <a:t>tables</a:t>
+            </a:r>
+          </a:p>
+          <a:p>
+            <a:pPr algn="ctr"/>
+            <a:r>
+              <a:rPr lang="en-US" dirty="0" smtClean="0"/>
+              <a:t>(</a:t>
+            </a:r>
+            <a:r>
+              <a:rPr lang="ru-RU" dirty="0" smtClean="0"/>
+              <a:t>с помощью пакета</a:t>
+            </a:r>
+          </a:p>
+          <a:p>
+            <a:pPr algn="ctr"/>
+            <a:r>
+              <a:rPr lang="en-US" dirty="0" err="1"/>
+              <a:t>pkg_load_ext_ref_languages</a:t>
+            </a:r>
+            <a:r>
+              <a:rPr lang="ru-RU" dirty="0" smtClean="0"/>
+              <a:t>)</a:t>
             </a:r>
             <a:r>
               <a:rPr lang="ru-RU" dirty="0" smtClean="0"/>
@@ -3176,8 +3245,8 @@
         </p:nvSpPr>
         <p:spPr>
           <a:xfrm>
-            <a:off x="9325897" y="5656007"/>
-            <a:ext cx="2757948" cy="914400"/>
+            <a:off x="10071491" y="5656007"/>
+            <a:ext cx="2012353" cy="914400"/>
           </a:xfrm>
           <a:prstGeom prst="roundRect">
             <a:avLst/>
@@ -3224,8 +3293,8 @@
         </p:nvSpPr>
         <p:spPr>
           <a:xfrm>
-            <a:off x="5835445" y="5656007"/>
-            <a:ext cx="2757948" cy="914400"/>
+            <a:off x="7789818" y="5656007"/>
+            <a:ext cx="2030361" cy="914400"/>
           </a:xfrm>
           <a:prstGeom prst="roundRect">
             <a:avLst/>
@@ -3268,8 +3337,8 @@
         </p:nvSpPr>
         <p:spPr>
           <a:xfrm>
-            <a:off x="2344993" y="5656007"/>
-            <a:ext cx="2757948" cy="914400"/>
+            <a:off x="5325733" y="5646595"/>
+            <a:ext cx="1828799" cy="914400"/>
           </a:xfrm>
           <a:prstGeom prst="roundRect">
             <a:avLst/>
@@ -3312,7 +3381,7 @@
         </p:nvSpPr>
         <p:spPr>
           <a:xfrm>
-            <a:off x="10825316" y="1902542"/>
+            <a:off x="11385755" y="1896918"/>
             <a:ext cx="324465" cy="3569110"/>
           </a:xfrm>
           <a:prstGeom prst="downArrow">
@@ -3351,9 +3420,9 @@
           <p:nvPr/>
         </p:nvSpPr>
         <p:spPr>
-          <a:xfrm rot="1980000">
-            <a:off x="8631989" y="1648301"/>
-            <a:ext cx="316100" cy="4218944"/>
+          <a:xfrm rot="3120000">
+            <a:off x="10053261" y="2710815"/>
+            <a:ext cx="362710" cy="3461759"/>
           </a:xfrm>
           <a:prstGeom prst="downArrow">
             <a:avLst/>
@@ -3392,8 +3461,8 @@
         </p:nvSpPr>
         <p:spPr>
           <a:xfrm rot="3180000">
-            <a:off x="6236239" y="526717"/>
-            <a:ext cx="348170" cy="6212165"/>
+            <a:off x="9218306" y="1283627"/>
+            <a:ext cx="374495" cy="5433459"/>
           </a:xfrm>
           <a:prstGeom prst="downArrow">
             <a:avLst/>
@@ -3424,6 +3493,118 @@
           </a:p>
         </p:txBody>
       </p:sp>
+      <p:sp>
+        <p:nvSpPr>
+          <p:cNvPr id="14" name="Скругленный прямоугольник 13"/>
+          <p:cNvSpPr/>
+          <p:nvPr/>
+        </p:nvSpPr>
+        <p:spPr>
+          <a:xfrm>
+            <a:off x="4894270" y="184356"/>
+            <a:ext cx="1668762" cy="3016044"/>
+          </a:xfrm>
+          <a:prstGeom prst="roundRect">
+            <a:avLst/>
+          </a:prstGeom>
+        </p:spPr>
+        <p:style>
+          <a:lnRef idx="2">
+            <a:schemeClr val="accent1">
+              <a:shade val="50000"/>
+            </a:schemeClr>
+          </a:lnRef>
+          <a:fillRef idx="1">
+            <a:schemeClr val="accent1"/>
+          </a:fillRef>
+          <a:effectRef idx="0">
+            <a:schemeClr val="accent1"/>
+          </a:effectRef>
+          <a:fontRef idx="minor">
+            <a:schemeClr val="lt1"/>
+          </a:fontRef>
+        </p:style>
+        <p:txBody>
+          <a:bodyPr rtlCol="0" anchor="ctr"/>
+          <a:lstStyle/>
+          <a:p>
+            <a:pPr algn="ctr"/>
+            <a:r>
+              <a:rPr lang="ru-RU" dirty="0" smtClean="0"/>
+              <a:t>Создан</a:t>
+            </a:r>
+            <a:r>
+              <a:rPr lang="ru-RU" dirty="0"/>
+              <a:t>ы</a:t>
+            </a:r>
+            <a:r>
+              <a:rPr lang="ru-RU" dirty="0" smtClean="0"/>
+              <a:t> </a:t>
+            </a:r>
+            <a:r>
+              <a:rPr lang="en-US" dirty="0" smtClean="0"/>
+              <a:t>external tables</a:t>
+            </a:r>
+            <a:r>
+              <a:rPr lang="ru-RU" dirty="0" smtClean="0"/>
+              <a:t>, не входящие в </a:t>
+            </a:r>
+            <a:r>
+              <a:rPr lang="en-US" dirty="0" err="1" smtClean="0"/>
+              <a:t>tablespace</a:t>
+            </a:r>
+            <a:r>
+              <a:rPr lang="ru-RU" dirty="0" smtClean="0"/>
+              <a:t> т.к. чтение в нее происходит из внешнего файла</a:t>
+            </a:r>
+            <a:endParaRPr lang="ru-RU" dirty="0"/>
+          </a:p>
+        </p:txBody>
+      </p:sp>
+      <p:sp>
+        <p:nvSpPr>
+          <p:cNvPr id="3" name="TextBox 2"/>
+          <p:cNvSpPr txBox="1"/>
+          <p:nvPr/>
+        </p:nvSpPr>
+        <p:spPr>
+          <a:xfrm rot="19407792">
+            <a:off x="6322351" y="2978396"/>
+            <a:ext cx="4911213" cy="923330"/>
+          </a:xfrm>
+          <a:prstGeom prst="rect">
+            <a:avLst/>
+          </a:prstGeom>
+          <a:noFill/>
+        </p:spPr>
+        <p:txBody>
+          <a:bodyPr wrap="square" rtlCol="0">
+            <a:spAutoFit/>
+          </a:bodyPr>
+          <a:lstStyle/>
+          <a:p>
+            <a:r>
+              <a:rPr lang="ru-RU" dirty="0" smtClean="0"/>
+              <a:t>Передача запрашиваемых данных в таблицы,</a:t>
+            </a:r>
+          </a:p>
+          <a:p>
+            <a:r>
+              <a:rPr lang="ru-RU" dirty="0"/>
+              <a:t>а</a:t>
+            </a:r>
+            <a:r>
+              <a:rPr lang="ru-RU" dirty="0" smtClean="0"/>
+              <a:t> данные из таблиц уже используются в представлениях (</a:t>
+            </a:r>
+            <a:r>
+              <a:rPr lang="en-US" dirty="0" smtClean="0"/>
+              <a:t>view)</a:t>
+            </a:r>
+            <a:endParaRPr lang="ru-RU" dirty="0" smtClean="0"/>
+          </a:p>
+        </p:txBody>
+      </p:sp>
     </p:spTree>
     <p:extLst>
       <p:ext uri="{BB962C8B-B14F-4D97-AF65-F5344CB8AC3E}">
@@ -3434,6 +3615,616 @@
   <p:clrMapOvr>
     <a:masterClrMapping/>
   </p:clrMapOvr>
+  <p:timing>
+    <p:tnLst>
+      <p:par>
+        <p:cTn id="1" dur="indefinite" restart="never" nodeType="tmRoot"/>
+      </p:par>
+    </p:tnLst>
+  </p:timing>
+</p:sld>
+</file>
+
+<file path=ppt/slides/slide2.xml><?xml version="1.0" encoding="utf-8"?>
+<p:sld xmlns:a="http://schemas.openxmlformats.org/drawingml/2006/main" xmlns:r="http://schemas.openxmlformats.org/officeDocument/2006/relationships" xmlns:p="http://schemas.openxmlformats.org/presentationml/2006/main">
+  <p:cSld>
+    <p:spTree>
+      <p:nvGrpSpPr>
+        <p:cNvPr id="1" name=""/>
+        <p:cNvGrpSpPr/>
+        <p:nvPr/>
+      </p:nvGrpSpPr>
+      <p:grpSpPr>
+        <a:xfrm>
+          <a:off x="0" y="0"/>
+          <a:ext cx="0" cy="0"/>
+          <a:chOff x="0" y="0"/>
+          <a:chExt cx="0" cy="0"/>
+        </a:xfrm>
+      </p:grpSpPr>
+      <p:sp>
+        <p:nvSpPr>
+          <p:cNvPr id="4" name="Скругленный прямоугольник 3"/>
+          <p:cNvSpPr/>
+          <p:nvPr/>
+        </p:nvSpPr>
+        <p:spPr>
+          <a:xfrm>
+            <a:off x="61895" y="184356"/>
+            <a:ext cx="2492478" cy="1873044"/>
+          </a:xfrm>
+          <a:prstGeom prst="roundRect">
+            <a:avLst/>
+          </a:prstGeom>
+        </p:spPr>
+        <p:style>
+          <a:lnRef idx="2">
+            <a:schemeClr val="accent1">
+              <a:shade val="50000"/>
+            </a:schemeClr>
+          </a:lnRef>
+          <a:fillRef idx="1">
+            <a:schemeClr val="accent1"/>
+          </a:fillRef>
+          <a:effectRef idx="0">
+            <a:schemeClr val="accent1"/>
+          </a:effectRef>
+          <a:fontRef idx="minor">
+            <a:schemeClr val="lt1"/>
+          </a:fontRef>
+        </p:style>
+        <p:txBody>
+          <a:bodyPr rtlCol="0" anchor="ctr"/>
+          <a:lstStyle/>
+          <a:p>
+            <a:pPr algn="ctr"/>
+            <a:r>
+              <a:rPr lang="ru-RU" dirty="0" smtClean="0"/>
+              <a:t>Файлы из </a:t>
+            </a:r>
+            <a:r>
+              <a:rPr lang="ru-RU" dirty="0" smtClean="0"/>
+              <a:t>директории</a:t>
+            </a:r>
+          </a:p>
+          <a:p>
+            <a:pPr algn="ctr"/>
+            <a:r>
+              <a:rPr lang="ru-RU" dirty="0" smtClean="0"/>
+              <a:t>(</a:t>
+            </a:r>
+            <a:r>
+              <a:rPr lang="en-US" dirty="0" smtClean="0"/>
+              <a:t>ISO-3166….tab;</a:t>
+            </a:r>
+          </a:p>
+          <a:p>
+            <a:pPr algn="ctr"/>
+            <a:r>
+              <a:rPr lang="en-US" dirty="0"/>
+              <a:t>….</a:t>
+            </a:r>
+            <a:endParaRPr lang="en-US" dirty="0" smtClean="0"/>
+          </a:p>
+          <a:p>
+            <a:pPr algn="ctr"/>
+            <a:r>
+              <a:rPr lang="en-US" dirty="0"/>
+              <a:t>ISO-3166….tab</a:t>
+            </a:r>
+            <a:r>
+              <a:rPr lang="en-US" dirty="0" smtClean="0"/>
+              <a:t>;</a:t>
+            </a:r>
+            <a:r>
+              <a:rPr lang="ru-RU" dirty="0" smtClean="0"/>
+              <a:t>)</a:t>
+            </a:r>
+            <a:r>
+              <a:rPr lang="ru-RU" dirty="0" smtClean="0"/>
+              <a:t> </a:t>
+            </a:r>
+            <a:endParaRPr lang="ru-RU" dirty="0"/>
+          </a:p>
+        </p:txBody>
+      </p:sp>
+      <p:sp>
+        <p:nvSpPr>
+          <p:cNvPr id="5" name="Скругленный прямоугольник 4"/>
+          <p:cNvSpPr/>
+          <p:nvPr/>
+        </p:nvSpPr>
+        <p:spPr>
+          <a:xfrm>
+            <a:off x="10097103" y="232723"/>
+            <a:ext cx="1986742" cy="914400"/>
+          </a:xfrm>
+          <a:prstGeom prst="roundRect">
+            <a:avLst/>
+          </a:prstGeom>
+        </p:spPr>
+        <p:style>
+          <a:lnRef idx="2">
+            <a:schemeClr val="accent1">
+              <a:shade val="50000"/>
+            </a:schemeClr>
+          </a:lnRef>
+          <a:fillRef idx="1">
+            <a:schemeClr val="accent1"/>
+          </a:fillRef>
+          <a:effectRef idx="0">
+            <a:schemeClr val="accent1"/>
+          </a:effectRef>
+          <a:fontRef idx="minor">
+            <a:schemeClr val="lt1"/>
+          </a:fontRef>
+        </p:style>
+        <p:txBody>
+          <a:bodyPr rtlCol="0" anchor="ctr"/>
+          <a:lstStyle/>
+          <a:p>
+            <a:pPr algn="ctr"/>
+            <a:r>
+              <a:rPr lang="en-US" dirty="0" smtClean="0"/>
+              <a:t>Cleansing tables</a:t>
+            </a:r>
+            <a:r>
+              <a:rPr lang="ru-RU" dirty="0" smtClean="0"/>
+              <a:t> </a:t>
+            </a:r>
+            <a:endParaRPr lang="ru-RU" dirty="0"/>
+          </a:p>
+        </p:txBody>
+      </p:sp>
+      <p:sp>
+        <p:nvSpPr>
+          <p:cNvPr id="6" name="Стрелка вправо 5"/>
+          <p:cNvSpPr/>
+          <p:nvPr/>
+        </p:nvSpPr>
+        <p:spPr>
+          <a:xfrm>
+            <a:off x="2554373" y="359585"/>
+            <a:ext cx="2339897" cy="1537333"/>
+          </a:xfrm>
+          <a:prstGeom prst="rightArrow">
+            <a:avLst/>
+          </a:prstGeom>
+        </p:spPr>
+        <p:style>
+          <a:lnRef idx="2">
+            <a:schemeClr val="accent1">
+              <a:shade val="50000"/>
+            </a:schemeClr>
+          </a:lnRef>
+          <a:fillRef idx="1">
+            <a:schemeClr val="accent1"/>
+          </a:fillRef>
+          <a:effectRef idx="0">
+            <a:schemeClr val="accent1"/>
+          </a:effectRef>
+          <a:fontRef idx="minor">
+            <a:schemeClr val="lt1"/>
+          </a:fontRef>
+        </p:style>
+        <p:txBody>
+          <a:bodyPr rtlCol="0" anchor="ctr"/>
+          <a:lstStyle/>
+          <a:p>
+            <a:pPr algn="ctr"/>
+            <a:r>
+              <a:rPr lang="ru-RU" dirty="0" err="1" smtClean="0"/>
+              <a:t>Прогрузка</a:t>
+            </a:r>
+            <a:r>
+              <a:rPr lang="ru-RU" dirty="0" smtClean="0"/>
+              <a:t> </a:t>
+            </a:r>
+            <a:r>
+              <a:rPr lang="en-US" dirty="0" smtClean="0"/>
+              <a:t>(</a:t>
+            </a:r>
+            <a:r>
+              <a:rPr lang="ru-RU" dirty="0" smtClean="0"/>
+              <a:t>с помощью </a:t>
+            </a:r>
+            <a:r>
+              <a:rPr lang="en-US" dirty="0" smtClean="0"/>
+              <a:t>“create external tables”)</a:t>
+            </a:r>
+            <a:endParaRPr lang="ru-RU" dirty="0"/>
+          </a:p>
+        </p:txBody>
+      </p:sp>
+      <p:sp>
+        <p:nvSpPr>
+          <p:cNvPr id="7" name="Стрелка вправо 6"/>
+          <p:cNvSpPr/>
+          <p:nvPr/>
+        </p:nvSpPr>
+        <p:spPr>
+          <a:xfrm>
+            <a:off x="6567948" y="184356"/>
+            <a:ext cx="3529155" cy="1873044"/>
+          </a:xfrm>
+          <a:prstGeom prst="rightArrow">
+            <a:avLst>
+              <a:gd name="adj1" fmla="val 53106"/>
+              <a:gd name="adj2" fmla="val 50000"/>
+            </a:avLst>
+          </a:prstGeom>
+        </p:spPr>
+        <p:style>
+          <a:lnRef idx="2">
+            <a:schemeClr val="accent1">
+              <a:shade val="50000"/>
+            </a:schemeClr>
+          </a:lnRef>
+          <a:fillRef idx="1">
+            <a:schemeClr val="accent1"/>
+          </a:fillRef>
+          <a:effectRef idx="0">
+            <a:schemeClr val="accent1"/>
+          </a:effectRef>
+          <a:fontRef idx="minor">
+            <a:schemeClr val="lt1"/>
+          </a:fontRef>
+        </p:style>
+        <p:txBody>
+          <a:bodyPr rtlCol="0" anchor="ctr"/>
+          <a:lstStyle/>
+          <a:p>
+            <a:pPr algn="ctr"/>
+            <a:r>
+              <a:rPr lang="ru-RU" dirty="0" smtClean="0"/>
+              <a:t>Перенос в </a:t>
+            </a:r>
+            <a:r>
+              <a:rPr lang="en-US" dirty="0" smtClean="0"/>
+              <a:t>Cleansing </a:t>
+            </a:r>
+            <a:r>
+              <a:rPr lang="en-US" dirty="0" smtClean="0"/>
+              <a:t>tables</a:t>
+            </a:r>
+          </a:p>
+          <a:p>
+            <a:pPr algn="ctr"/>
+            <a:r>
+              <a:rPr lang="en-US" dirty="0" smtClean="0"/>
+              <a:t>(</a:t>
+            </a:r>
+            <a:r>
+              <a:rPr lang="ru-RU" dirty="0" smtClean="0"/>
+              <a:t>с помощью пакета)</a:t>
+            </a:r>
+            <a:r>
+              <a:rPr lang="ru-RU" dirty="0" smtClean="0"/>
+              <a:t> </a:t>
+            </a:r>
+            <a:endParaRPr lang="ru-RU" dirty="0"/>
+          </a:p>
+        </p:txBody>
+      </p:sp>
+      <p:sp>
+        <p:nvSpPr>
+          <p:cNvPr id="11" name="Стрелка вниз 10"/>
+          <p:cNvSpPr/>
+          <p:nvPr/>
+        </p:nvSpPr>
+        <p:spPr>
+          <a:xfrm>
+            <a:off x="11245099" y="2523027"/>
+            <a:ext cx="420875" cy="1664108"/>
+          </a:xfrm>
+          <a:prstGeom prst="downArrow">
+            <a:avLst/>
+          </a:prstGeom>
+        </p:spPr>
+        <p:style>
+          <a:lnRef idx="2">
+            <a:schemeClr val="accent1">
+              <a:shade val="50000"/>
+            </a:schemeClr>
+          </a:lnRef>
+          <a:fillRef idx="1">
+            <a:schemeClr val="accent1"/>
+          </a:fillRef>
+          <a:effectRef idx="0">
+            <a:schemeClr val="accent1"/>
+          </a:effectRef>
+          <a:fontRef idx="minor">
+            <a:schemeClr val="lt1"/>
+          </a:fontRef>
+        </p:style>
+        <p:txBody>
+          <a:bodyPr rtlCol="0" anchor="ctr"/>
+          <a:lstStyle/>
+          <a:p>
+            <a:pPr algn="ctr"/>
+            <a:endParaRPr lang="ru-RU"/>
+          </a:p>
+        </p:txBody>
+      </p:sp>
+      <p:sp>
+        <p:nvSpPr>
+          <p:cNvPr id="14" name="Скругленный прямоугольник 13"/>
+          <p:cNvSpPr/>
+          <p:nvPr/>
+        </p:nvSpPr>
+        <p:spPr>
+          <a:xfrm>
+            <a:off x="4894270" y="184356"/>
+            <a:ext cx="1668762" cy="3016044"/>
+          </a:xfrm>
+          <a:prstGeom prst="roundRect">
+            <a:avLst/>
+          </a:prstGeom>
+        </p:spPr>
+        <p:style>
+          <a:lnRef idx="2">
+            <a:schemeClr val="accent1">
+              <a:shade val="50000"/>
+            </a:schemeClr>
+          </a:lnRef>
+          <a:fillRef idx="1">
+            <a:schemeClr val="accent1"/>
+          </a:fillRef>
+          <a:effectRef idx="0">
+            <a:schemeClr val="accent1"/>
+          </a:effectRef>
+          <a:fontRef idx="minor">
+            <a:schemeClr val="lt1"/>
+          </a:fontRef>
+        </p:style>
+        <p:txBody>
+          <a:bodyPr rtlCol="0" anchor="ctr"/>
+          <a:lstStyle/>
+          <a:p>
+            <a:pPr algn="ctr"/>
+            <a:r>
+              <a:rPr lang="ru-RU" dirty="0" smtClean="0"/>
+              <a:t>Создан</a:t>
+            </a:r>
+            <a:r>
+              <a:rPr lang="ru-RU" dirty="0"/>
+              <a:t>ы</a:t>
+            </a:r>
+            <a:r>
+              <a:rPr lang="ru-RU" dirty="0" smtClean="0"/>
+              <a:t> </a:t>
+            </a:r>
+            <a:r>
+              <a:rPr lang="en-US" dirty="0" smtClean="0"/>
+              <a:t>external tables</a:t>
+            </a:r>
+            <a:r>
+              <a:rPr lang="ru-RU" dirty="0" smtClean="0"/>
+              <a:t>, не входящие в </a:t>
+            </a:r>
+            <a:r>
+              <a:rPr lang="en-US" dirty="0" err="1" smtClean="0"/>
+              <a:t>tablespace</a:t>
+            </a:r>
+            <a:r>
+              <a:rPr lang="ru-RU" dirty="0" smtClean="0"/>
+              <a:t> т.к. чтение в нее происходит из внешнего файла</a:t>
+            </a:r>
+            <a:endParaRPr lang="ru-RU" dirty="0"/>
+          </a:p>
+        </p:txBody>
+      </p:sp>
+      <p:sp>
+        <p:nvSpPr>
+          <p:cNvPr id="3" name="TextBox 2"/>
+          <p:cNvSpPr txBox="1"/>
+          <p:nvPr/>
+        </p:nvSpPr>
+        <p:spPr>
+          <a:xfrm>
+            <a:off x="5876918" y="5473309"/>
+            <a:ext cx="4911213" cy="923330"/>
+          </a:xfrm>
+          <a:prstGeom prst="rect">
+            <a:avLst/>
+          </a:prstGeom>
+          <a:noFill/>
+        </p:spPr>
+        <p:txBody>
+          <a:bodyPr wrap="square" rtlCol="0">
+            <a:spAutoFit/>
+          </a:bodyPr>
+          <a:lstStyle/>
+          <a:p>
+            <a:r>
+              <a:rPr lang="ru-RU" dirty="0" smtClean="0"/>
+              <a:t>Передача запрашиваемых данных в таблицы,</a:t>
+            </a:r>
+          </a:p>
+          <a:p>
+            <a:r>
+              <a:rPr lang="ru-RU" dirty="0"/>
+              <a:t>а</a:t>
+            </a:r>
+            <a:r>
+              <a:rPr lang="ru-RU" dirty="0" smtClean="0"/>
+              <a:t> данные из таблиц уже используются в представлениях (</a:t>
+            </a:r>
+            <a:r>
+              <a:rPr lang="en-US" dirty="0" smtClean="0"/>
+              <a:t>view)</a:t>
+            </a:r>
+            <a:endParaRPr lang="ru-RU" dirty="0" smtClean="0"/>
+          </a:p>
+        </p:txBody>
+      </p:sp>
+      <p:pic>
+        <p:nvPicPr>
+          <p:cNvPr id="2" name="Рисунок 1"/>
+          <p:cNvPicPr>
+            <a:picLocks noChangeAspect="1"/>
+          </p:cNvPicPr>
+          <p:nvPr/>
+        </p:nvPicPr>
+        <p:blipFill>
+          <a:blip r:embed="rId2">
+            <a:extLst>
+              <a:ext uri="{28A0092B-C50C-407E-A947-70E740481C1C}">
+                <a14:useLocalDpi xmlns:a14="http://schemas.microsoft.com/office/drawing/2010/main" val="0"/>
+              </a:ext>
+            </a:extLst>
+          </a:blip>
+          <a:stretch>
+            <a:fillRect/>
+          </a:stretch>
+        </p:blipFill>
+        <p:spPr>
+          <a:xfrm>
+            <a:off x="4663756" y="3276669"/>
+            <a:ext cx="1966130" cy="1226926"/>
+          </a:xfrm>
+          <a:prstGeom prst="rect">
+            <a:avLst/>
+          </a:prstGeom>
+        </p:spPr>
+      </p:pic>
+      <p:pic>
+        <p:nvPicPr>
+          <p:cNvPr id="15" name="Рисунок 14"/>
+          <p:cNvPicPr>
+            <a:picLocks noChangeAspect="1"/>
+          </p:cNvPicPr>
+          <p:nvPr/>
+        </p:nvPicPr>
+        <p:blipFill>
+          <a:blip r:embed="rId3">
+            <a:extLst>
+              <a:ext uri="{28A0092B-C50C-407E-A947-70E740481C1C}">
+                <a14:useLocalDpi xmlns:a14="http://schemas.microsoft.com/office/drawing/2010/main" val="0"/>
+              </a:ext>
+            </a:extLst>
+          </a:blip>
+          <a:stretch>
+            <a:fillRect/>
+          </a:stretch>
+        </p:blipFill>
+        <p:spPr>
+          <a:xfrm>
+            <a:off x="10222711" y="1198750"/>
+            <a:ext cx="1958510" cy="1272650"/>
+          </a:xfrm>
+          <a:prstGeom prst="rect">
+            <a:avLst/>
+          </a:prstGeom>
+        </p:spPr>
+      </p:pic>
+      <p:pic>
+        <p:nvPicPr>
+          <p:cNvPr id="16" name="Рисунок 15"/>
+          <p:cNvPicPr>
+            <a:picLocks noChangeAspect="1"/>
+          </p:cNvPicPr>
+          <p:nvPr/>
+        </p:nvPicPr>
+        <p:blipFill>
+          <a:blip r:embed="rId4">
+            <a:extLst>
+              <a:ext uri="{28A0092B-C50C-407E-A947-70E740481C1C}">
+                <a14:useLocalDpi xmlns:a14="http://schemas.microsoft.com/office/drawing/2010/main" val="0"/>
+              </a:ext>
+            </a:extLst>
+          </a:blip>
+          <a:stretch>
+            <a:fillRect/>
+          </a:stretch>
+        </p:blipFill>
+        <p:spPr>
+          <a:xfrm>
+            <a:off x="6952925" y="1710212"/>
+            <a:ext cx="1874682" cy="373412"/>
+          </a:xfrm>
+          <a:prstGeom prst="rect">
+            <a:avLst/>
+          </a:prstGeom>
+        </p:spPr>
+      </p:pic>
+      <p:pic>
+        <p:nvPicPr>
+          <p:cNvPr id="17" name="Рисунок 16"/>
+          <p:cNvPicPr>
+            <a:picLocks noChangeAspect="1"/>
+          </p:cNvPicPr>
+          <p:nvPr/>
+        </p:nvPicPr>
+        <p:blipFill>
+          <a:blip r:embed="rId5">
+            <a:extLst>
+              <a:ext uri="{28A0092B-C50C-407E-A947-70E740481C1C}">
+                <a14:useLocalDpi xmlns:a14="http://schemas.microsoft.com/office/drawing/2010/main" val="0"/>
+              </a:ext>
+            </a:extLst>
+          </a:blip>
+          <a:stretch>
+            <a:fillRect/>
+          </a:stretch>
+        </p:blipFill>
+        <p:spPr>
+          <a:xfrm>
+            <a:off x="259146" y="2182893"/>
+            <a:ext cx="1950889" cy="1226926"/>
+          </a:xfrm>
+          <a:prstGeom prst="rect">
+            <a:avLst/>
+          </a:prstGeom>
+        </p:spPr>
+      </p:pic>
+      <p:pic>
+        <p:nvPicPr>
+          <p:cNvPr id="18" name="Рисунок 17"/>
+          <p:cNvPicPr>
+            <a:picLocks noChangeAspect="1"/>
+          </p:cNvPicPr>
+          <p:nvPr/>
+        </p:nvPicPr>
+        <p:blipFill>
+          <a:blip r:embed="rId6">
+            <a:extLst>
+              <a:ext uri="{28A0092B-C50C-407E-A947-70E740481C1C}">
+                <a14:useLocalDpi xmlns:a14="http://schemas.microsoft.com/office/drawing/2010/main" val="0"/>
+              </a:ext>
+            </a:extLst>
+          </a:blip>
+          <a:stretch>
+            <a:fillRect/>
+          </a:stretch>
+        </p:blipFill>
+        <p:spPr>
+          <a:xfrm>
+            <a:off x="10750229" y="4238762"/>
+            <a:ext cx="1333616" cy="2469094"/>
+          </a:xfrm>
+          <a:prstGeom prst="rect">
+            <a:avLst/>
+          </a:prstGeom>
+        </p:spPr>
+      </p:pic>
+    </p:spTree>
+    <p:extLst>
+      <p:ext uri="{BB962C8B-B14F-4D97-AF65-F5344CB8AC3E}">
+        <p14:creationId xmlns:p14="http://schemas.microsoft.com/office/powerpoint/2010/main" val="1711397253"/>
+      </p:ext>
+    </p:extLst>
+  </p:cSld>
+  <p:clrMapOvr>
+    <a:masterClrMapping/>
+  </p:clrMapOvr>
+  <p:timing>
+    <p:tnLst>
+      <p:par>
+        <p:cTn id="1" dur="indefinite" restart="never" nodeType="tmRoot"/>
+      </p:par>
+    </p:tnLst>
+  </p:timing>
 </p:sld>
 </file>
 
